--- a/Documentation/1-S2_Progress_Report/Slides_S2_Progress_Report.pptx
+++ b/Documentation/1-S2_Progress_Report/Slides_S2_Progress_Report.pptx
@@ -209,7 +209,7 @@
           <a:p>
             <a:fld id="{2659049E-3D54-45B5-BF3B-BFF758B9E782}" type="datetimeFigureOut">
               <a:rPr lang="es-ES" smtClean="0"/>
-              <a:t>06/04/2020</a:t>
+              <a:t>10/06/2020</a:t>
             </a:fld>
             <a:endParaRPr lang="es-ES"/>
           </a:p>
@@ -639,7 +639,7 @@
           <a:p>
             <a:fld id="{79F67597-A808-470D-9C3B-8986C1B1D83E}" type="datetime1">
               <a:rPr lang="es-ES" smtClean="0"/>
-              <a:t>06/04/2020</a:t>
+              <a:t>10/06/2020</a:t>
             </a:fld>
             <a:endParaRPr lang="en-US" dirty="0"/>
           </a:p>
@@ -809,7 +809,7 @@
           <a:p>
             <a:fld id="{45E67A7F-3E90-4DEE-ABA2-4349680425A4}" type="datetime1">
               <a:rPr lang="es-ES" smtClean="0"/>
-              <a:t>06/04/2020</a:t>
+              <a:t>10/06/2020</a:t>
             </a:fld>
             <a:endParaRPr lang="en-US" dirty="0"/>
           </a:p>
@@ -988,7 +988,7 @@
           <a:p>
             <a:fld id="{956FAC87-166E-4700-A6EE-A9D673E17862}" type="datetime1">
               <a:rPr lang="es-ES" smtClean="0"/>
-              <a:t>06/04/2020</a:t>
+              <a:t>10/06/2020</a:t>
             </a:fld>
             <a:endParaRPr lang="en-US" dirty="0"/>
           </a:p>
@@ -1157,7 +1157,7 @@
           <a:p>
             <a:fld id="{F7E0107D-9A2E-420A-9771-9531B6747518}" type="datetime1">
               <a:rPr lang="es-ES" smtClean="0"/>
-              <a:t>06/04/2020</a:t>
+              <a:t>10/06/2020</a:t>
             </a:fld>
             <a:endParaRPr lang="en-US" dirty="0"/>
           </a:p>
@@ -1425,7 +1425,7 @@
           <a:p>
             <a:fld id="{D6A998AD-BA56-4601-ADD0-168D7FDC0833}" type="datetime1">
               <a:rPr lang="es-ES" smtClean="0"/>
-              <a:t>06/04/2020</a:t>
+              <a:t>10/06/2020</a:t>
             </a:fld>
             <a:endParaRPr lang="en-US" dirty="0"/>
           </a:p>
@@ -1657,7 +1657,7 @@
           <a:p>
             <a:fld id="{4D147294-565C-4953-9CC7-4A067F6F52DD}" type="datetime1">
               <a:rPr lang="es-ES" smtClean="0"/>
-              <a:t>06/04/2020</a:t>
+              <a:t>10/06/2020</a:t>
             </a:fld>
             <a:endParaRPr lang="en-US" dirty="0"/>
           </a:p>
@@ -2015,7 +2015,7 @@
           <a:p>
             <a:fld id="{759E0006-9A45-4051-8AFD-33BE22C7389B}" type="datetime1">
               <a:rPr lang="es-ES" smtClean="0"/>
-              <a:t>06/04/2020</a:t>
+              <a:t>10/06/2020</a:t>
             </a:fld>
             <a:endParaRPr lang="en-US" dirty="0"/>
           </a:p>
@@ -2155,7 +2155,7 @@
           <a:p>
             <a:fld id="{A52C6132-50E9-4552-8249-BEC9739D039C}" type="datetime1">
               <a:rPr lang="es-ES" smtClean="0"/>
-              <a:t>06/04/2020</a:t>
+              <a:t>10/06/2020</a:t>
             </a:fld>
             <a:endParaRPr lang="en-US" dirty="0"/>
           </a:p>
@@ -2249,7 +2249,7 @@
           <a:p>
             <a:fld id="{6EE3EF1E-522D-43E1-B5E9-4276689B6883}" type="datetime1">
               <a:rPr lang="es-ES" smtClean="0"/>
-              <a:t>06/04/2020</a:t>
+              <a:t>10/06/2020</a:t>
             </a:fld>
             <a:endParaRPr lang="en-US" dirty="0"/>
           </a:p>
@@ -2605,7 +2605,7 @@
           <a:p>
             <a:fld id="{06EEB562-F548-40A7-A326-95AA78E482DD}" type="datetime1">
               <a:rPr lang="es-ES" smtClean="0"/>
-              <a:t>06/04/2020</a:t>
+              <a:t>10/06/2020</a:t>
             </a:fld>
             <a:endParaRPr lang="en-US" dirty="0"/>
           </a:p>
@@ -2961,7 +2961,7 @@
           <a:p>
             <a:fld id="{30348CF9-83E1-4670-9F47-3DC6624BF3FF}" type="datetime1">
               <a:rPr lang="es-ES" smtClean="0"/>
-              <a:t>06/04/2020</a:t>
+              <a:t>10/06/2020</a:t>
             </a:fld>
             <a:endParaRPr lang="en-US" dirty="0"/>
           </a:p>
@@ -3202,7 +3202,7 @@
           <a:p>
             <a:fld id="{595C58D6-414F-4212-92B8-03D002C09538}" type="datetime1">
               <a:rPr lang="es-ES" smtClean="0"/>
-              <a:t>06/04/2020</a:t>
+              <a:t>10/06/2020</a:t>
             </a:fld>
             <a:endParaRPr lang="en-US" dirty="0"/>
           </a:p>
@@ -7417,8 +7417,8 @@
           </a:p>
         </p:txBody>
       </p:sp>
-      <mc:AlternateContent xmlns:mc="http://schemas.openxmlformats.org/markup-compatibility/2006" xmlns:a14="http://schemas.microsoft.com/office/drawing/2010/main">
-        <mc:Choice Requires="a14">
+      <mc:AlternateContent xmlns:mc="http://schemas.openxmlformats.org/markup-compatibility/2006">
+        <mc:Choice xmlns:a14="http://schemas.microsoft.com/office/drawing/2010/main" Requires="a14">
           <p:sp>
             <p:nvSpPr>
               <p:cNvPr id="3" name="Marcador de contenido 2">
@@ -7458,16 +7458,22 @@
                   </a:buClr>
                 </a:pPr>
                 <a:r>
-                  <a:rPr lang="en-GB">
+                  <a:rPr lang="en-GB" dirty="0">
                     <a:latin typeface="Bahnschrift" panose="020B0502040204020203" pitchFamily="34" charset="0"/>
                   </a:rPr>
-                  <a:t>Currently   ➤   One-dimmensional </a:t>
+                  <a:t>Currently   ➤   One-</a:t>
+                </a:r>
+                <a:r>
+                  <a:rPr lang="en-GB" dirty="0" err="1">
+                    <a:latin typeface="Bahnschrift" panose="020B0502040204020203" pitchFamily="34" charset="0"/>
+                  </a:rPr>
+                  <a:t>dimmensional</a:t>
                 </a:r>
                 <a:r>
                   <a:rPr lang="en-GB" dirty="0">
                     <a:latin typeface="Bahnschrift" panose="020B0502040204020203" pitchFamily="34" charset="0"/>
                   </a:rPr>
-                  <a:t>shear gust</a:t>
+                  <a:t> shear gust</a:t>
                 </a:r>
               </a:p>
               <a:p>
@@ -7485,7 +7491,7 @@
                   <a:rPr lang="en-GB" dirty="0">
                     <a:latin typeface="Bahnschrift" panose="020B0502040204020203" pitchFamily="34" charset="0"/>
                   </a:rPr>
-                  <a:t>Implement a 1-cosine gust profile [2]:</a:t>
+                  <a:t>Implement a 1-cosine gust profile [4]:</a:t>
                 </a:r>
               </a:p>
               <a:p>
@@ -7809,19 +7815,16 @@
                   </a:buClr>
                 </a:pPr>
                 <a:r>
-                  <a:rPr lang="en-GB">
+                  <a:rPr lang="en-GB" dirty="0">
                     <a:latin typeface="Bahnschrift" panose="020B0502040204020203" pitchFamily="34" charset="0"/>
                   </a:rPr>
                   <a:t>Increase bending moment   ➤   Penalize large aspect ratios</a:t>
                 </a:r>
-                <a:endParaRPr lang="en-GB" dirty="0">
-                  <a:latin typeface="Bahnschrift" panose="020B0502040204020203" pitchFamily="34" charset="0"/>
-                </a:endParaRPr>
               </a:p>
             </p:txBody>
           </p:sp>
         </mc:Choice>
-        <mc:Fallback xmlns="">
+        <mc:Fallback>
           <p:sp>
             <p:nvSpPr>
               <p:cNvPr id="3" name="Marcador de contenido 2">
